--- a/_PROMOCIJA/Predstavitev/Vizualizacija OPSI.pptx
+++ b/_PROMOCIJA/Predstavitev/Vizualizacija OPSI.pptx
@@ -7,9 +7,9 @@
   <p:sldIdLst>
     <p:sldId id="256" r:id="rId2"/>
     <p:sldId id="257" r:id="rId3"/>
-    <p:sldId id="258" r:id="rId4"/>
-    <p:sldId id="259" r:id="rId5"/>
-    <p:sldId id="260" r:id="rId6"/>
+    <p:sldId id="261" r:id="rId4"/>
+    <p:sldId id="262" r:id="rId5"/>
+    <p:sldId id="263" r:id="rId6"/>
   </p:sldIdLst>
   <p:sldSz cx="12192000" cy="6858000"/>
   <p:notesSz cx="6858000" cy="9144000"/>
@@ -108,6 +108,11 @@
       </a:defRPr>
     </a:lvl9pPr>
   </p:defaultTextStyle>
+  <p:extLst>
+    <p:ext uri="{EFAFB233-063F-42B5-8137-9DF3F51BA10A}">
+      <p15:sldGuideLst xmlns:p15="http://schemas.microsoft.com/office/powerpoint/2012/main"/>
+    </p:ext>
+  </p:extLst>
 </p:presentation>
 </file>
 
@@ -421,6 +426,18 @@
   <p:clrMapOvr>
     <a:masterClrMapping/>
   </p:clrMapOvr>
+  <mc:AlternateContent xmlns:mc="http://schemas.openxmlformats.org/markup-compatibility/2006">
+    <mc:Choice xmlns:p15="http://schemas.microsoft.com/office/powerpoint/2012/main" Requires="p15">
+      <p:transition xmlns:p14="http://schemas.microsoft.com/office/powerpoint/2010/main" spd="slow" p14:dur="1250">
+        <p15:prstTrans prst="pageCurlDouble"/>
+      </p:transition>
+    </mc:Choice>
+    <mc:Fallback>
+      <p:transition spd="slow">
+        <p:fade/>
+      </p:transition>
+    </mc:Fallback>
+  </mc:AlternateContent>
 </p:sldLayout>
 </file>
 
@@ -596,6 +613,18 @@
   <p:clrMapOvr>
     <a:masterClrMapping/>
   </p:clrMapOvr>
+  <mc:AlternateContent xmlns:mc="http://schemas.openxmlformats.org/markup-compatibility/2006">
+    <mc:Choice xmlns:p15="http://schemas.microsoft.com/office/powerpoint/2012/main" Requires="p15">
+      <p:transition xmlns:p14="http://schemas.microsoft.com/office/powerpoint/2010/main" spd="slow" p14:dur="1250">
+        <p15:prstTrans prst="pageCurlDouble"/>
+      </p:transition>
+    </mc:Choice>
+    <mc:Fallback>
+      <p:transition spd="slow">
+        <p:fade/>
+      </p:transition>
+    </mc:Fallback>
+  </mc:AlternateContent>
 </p:sldLayout>
 </file>
 
@@ -781,6 +810,18 @@
   <p:clrMapOvr>
     <a:masterClrMapping/>
   </p:clrMapOvr>
+  <mc:AlternateContent xmlns:mc="http://schemas.openxmlformats.org/markup-compatibility/2006">
+    <mc:Choice xmlns:p15="http://schemas.microsoft.com/office/powerpoint/2012/main" Requires="p15">
+      <p:transition xmlns:p14="http://schemas.microsoft.com/office/powerpoint/2010/main" spd="slow" p14:dur="1250">
+        <p15:prstTrans prst="pageCurlDouble"/>
+      </p:transition>
+    </mc:Choice>
+    <mc:Fallback>
+      <p:transition spd="slow">
+        <p:fade/>
+      </p:transition>
+    </mc:Fallback>
+  </mc:AlternateContent>
 </p:sldLayout>
 </file>
 
@@ -956,6 +997,18 @@
   <p:clrMapOvr>
     <a:masterClrMapping/>
   </p:clrMapOvr>
+  <mc:AlternateContent xmlns:mc="http://schemas.openxmlformats.org/markup-compatibility/2006">
+    <mc:Choice xmlns:p15="http://schemas.microsoft.com/office/powerpoint/2012/main" Requires="p15">
+      <p:transition xmlns:p14="http://schemas.microsoft.com/office/powerpoint/2010/main" spd="slow" p14:dur="1250">
+        <p15:prstTrans prst="pageCurlDouble"/>
+      </p:transition>
+    </mc:Choice>
+    <mc:Fallback>
+      <p:transition spd="slow">
+        <p:fade/>
+      </p:transition>
+    </mc:Fallback>
+  </mc:AlternateContent>
 </p:sldLayout>
 </file>
 
@@ -1247,6 +1300,18 @@
   <p:clrMapOvr>
     <a:masterClrMapping/>
   </p:clrMapOvr>
+  <mc:AlternateContent xmlns:mc="http://schemas.openxmlformats.org/markup-compatibility/2006">
+    <mc:Choice xmlns:p15="http://schemas.microsoft.com/office/powerpoint/2012/main" Requires="p15">
+      <p:transition xmlns:p14="http://schemas.microsoft.com/office/powerpoint/2010/main" spd="slow" p14:dur="1250">
+        <p15:prstTrans prst="pageCurlDouble"/>
+      </p:transition>
+    </mc:Choice>
+    <mc:Fallback>
+      <p:transition spd="slow">
+        <p:fade/>
+      </p:transition>
+    </mc:Fallback>
+  </mc:AlternateContent>
 </p:sldLayout>
 </file>
 
@@ -1540,6 +1605,18 @@
   <p:clrMapOvr>
     <a:masterClrMapping/>
   </p:clrMapOvr>
+  <mc:AlternateContent xmlns:mc="http://schemas.openxmlformats.org/markup-compatibility/2006">
+    <mc:Choice xmlns:p15="http://schemas.microsoft.com/office/powerpoint/2012/main" Requires="p15">
+      <p:transition xmlns:p14="http://schemas.microsoft.com/office/powerpoint/2010/main" spd="slow" p14:dur="1250">
+        <p15:prstTrans prst="pageCurlDouble"/>
+      </p:transition>
+    </mc:Choice>
+    <mc:Fallback>
+      <p:transition spd="slow">
+        <p:fade/>
+      </p:transition>
+    </mc:Fallback>
+  </mc:AlternateContent>
 </p:sldLayout>
 </file>
 
@@ -1969,6 +2046,18 @@
   <p:clrMapOvr>
     <a:masterClrMapping/>
   </p:clrMapOvr>
+  <mc:AlternateContent xmlns:mc="http://schemas.openxmlformats.org/markup-compatibility/2006">
+    <mc:Choice xmlns:p15="http://schemas.microsoft.com/office/powerpoint/2012/main" Requires="p15">
+      <p:transition xmlns:p14="http://schemas.microsoft.com/office/powerpoint/2010/main" spd="slow" p14:dur="1250">
+        <p15:prstTrans prst="pageCurlDouble"/>
+      </p:transition>
+    </mc:Choice>
+    <mc:Fallback>
+      <p:transition spd="slow">
+        <p:fade/>
+      </p:transition>
+    </mc:Fallback>
+  </mc:AlternateContent>
 </p:sldLayout>
 </file>
 
@@ -2092,6 +2181,18 @@
   <p:clrMapOvr>
     <a:masterClrMapping/>
   </p:clrMapOvr>
+  <mc:AlternateContent xmlns:mc="http://schemas.openxmlformats.org/markup-compatibility/2006">
+    <mc:Choice xmlns:p15="http://schemas.microsoft.com/office/powerpoint/2012/main" Requires="p15">
+      <p:transition xmlns:p14="http://schemas.microsoft.com/office/powerpoint/2010/main" spd="slow" p14:dur="1250">
+        <p15:prstTrans prst="pageCurlDouble"/>
+      </p:transition>
+    </mc:Choice>
+    <mc:Fallback>
+      <p:transition spd="slow">
+        <p:fade/>
+      </p:transition>
+    </mc:Fallback>
+  </mc:AlternateContent>
 </p:sldLayout>
 </file>
 
@@ -2192,6 +2293,18 @@
   <p:clrMapOvr>
     <a:masterClrMapping/>
   </p:clrMapOvr>
+  <mc:AlternateContent xmlns:mc="http://schemas.openxmlformats.org/markup-compatibility/2006">
+    <mc:Choice xmlns:p15="http://schemas.microsoft.com/office/powerpoint/2012/main" Requires="p15">
+      <p:transition xmlns:p14="http://schemas.microsoft.com/office/powerpoint/2010/main" spd="slow" p14:dur="1250">
+        <p15:prstTrans prst="pageCurlDouble"/>
+      </p:transition>
+    </mc:Choice>
+    <mc:Fallback>
+      <p:transition spd="slow">
+        <p:fade/>
+      </p:transition>
+    </mc:Fallback>
+  </mc:AlternateContent>
 </p:sldLayout>
 </file>
 
@@ -2487,6 +2600,18 @@
   <p:clrMapOvr>
     <a:masterClrMapping/>
   </p:clrMapOvr>
+  <mc:AlternateContent xmlns:mc="http://schemas.openxmlformats.org/markup-compatibility/2006">
+    <mc:Choice xmlns:p15="http://schemas.microsoft.com/office/powerpoint/2012/main" Requires="p15">
+      <p:transition xmlns:p14="http://schemas.microsoft.com/office/powerpoint/2010/main" spd="slow" p14:dur="1250">
+        <p15:prstTrans prst="pageCurlDouble"/>
+      </p:transition>
+    </mc:Choice>
+    <mc:Fallback>
+      <p:transition spd="slow">
+        <p:fade/>
+      </p:transition>
+    </mc:Fallback>
+  </mc:AlternateContent>
 </p:sldLayout>
 </file>
 
@@ -2764,6 +2889,18 @@
   <p:clrMapOvr>
     <a:masterClrMapping/>
   </p:clrMapOvr>
+  <mc:AlternateContent xmlns:mc="http://schemas.openxmlformats.org/markup-compatibility/2006">
+    <mc:Choice xmlns:p15="http://schemas.microsoft.com/office/powerpoint/2012/main" Requires="p15">
+      <p:transition xmlns:p14="http://schemas.microsoft.com/office/powerpoint/2010/main" spd="slow" p14:dur="1250">
+        <p15:prstTrans prst="pageCurlDouble"/>
+      </p:transition>
+    </mc:Choice>
+    <mc:Fallback>
+      <p:transition spd="slow">
+        <p:fade/>
+      </p:transition>
+    </mc:Fallback>
+  </mc:AlternateContent>
 </p:sldLayout>
 </file>
 
@@ -3066,6 +3203,18 @@
     <p:sldLayoutId id="2147483766" r:id="rId10"/>
     <p:sldLayoutId id="2147483767" r:id="rId11"/>
   </p:sldLayoutIdLst>
+  <mc:AlternateContent xmlns:mc="http://schemas.openxmlformats.org/markup-compatibility/2006">
+    <mc:Choice xmlns:p15="http://schemas.microsoft.com/office/powerpoint/2012/main" Requires="p15">
+      <p:transition xmlns:p14="http://schemas.microsoft.com/office/powerpoint/2010/main" spd="slow" p14:dur="1250">
+        <p15:prstTrans prst="pageCurlDouble"/>
+      </p:transition>
+    </mc:Choice>
+    <mc:Fallback>
+      <p:transition spd="slow">
+        <p:fade/>
+      </p:transition>
+    </mc:Fallback>
+  </mc:AlternateContent>
   <p:txStyles>
     <p:titleStyle>
       <a:lvl1pPr algn="l" defTabSz="914400" rtl="0" eaLnBrk="1" latinLnBrk="0" hangingPunct="1">
@@ -3825,12 +3974,32 @@
   <p:clrMapOvr>
     <a:masterClrMapping/>
   </p:clrMapOvr>
+  <mc:AlternateContent xmlns:mc="http://schemas.openxmlformats.org/markup-compatibility/2006">
+    <mc:Choice xmlns:p15="http://schemas.microsoft.com/office/powerpoint/2012/main" Requires="p15">
+      <p:transition xmlns:p14="http://schemas.microsoft.com/office/powerpoint/2010/main" spd="slow" p14:dur="1250">
+        <p15:prstTrans prst="pageCurlDouble"/>
+      </p:transition>
+    </mc:Choice>
+    <mc:Fallback>
+      <p:transition spd="slow">
+        <p:fade/>
+      </p:transition>
+    </mc:Fallback>
+  </mc:AlternateContent>
 </p:sld>
 </file>
 
 <file path=ppt/slides/slide2.xml><?xml version="1.0" encoding="utf-8"?>
 <p:sld xmlns:a="http://schemas.openxmlformats.org/drawingml/2006/main" xmlns:r="http://schemas.openxmlformats.org/officeDocument/2006/relationships" xmlns:p="http://schemas.openxmlformats.org/presentationml/2006/main">
   <p:cSld>
+    <p:bg>
+      <p:bgPr>
+        <a:solidFill>
+          <a:schemeClr val="accent1"/>
+        </a:solidFill>
+        <a:effectLst/>
+      </p:bgPr>
+    </p:bg>
     <p:spTree>
       <p:nvGrpSpPr>
         <p:cNvPr id="1" name=""/>
@@ -3847,6 +4016,224 @@
       </p:grpSpPr>
       <p:sp>
         <p:nvSpPr>
+          <p:cNvPr id="7" name="Rectangle 6">
+            <a:extLst>
+              <a:ext uri="{FF2B5EF4-FFF2-40B4-BE49-F238E27FC236}">
+                <a16:creationId xmlns:a16="http://schemas.microsoft.com/office/drawing/2014/main" id="{00C4F1C3-3ADD-491F-8C66-57912A242177}"/>
+              </a:ext>
+              <a:ext uri="{C183D7F6-B498-43B3-948B-1728B52AA6E4}">
+                <adec:decorative xmlns:adec="http://schemas.microsoft.com/office/drawing/2017/decorative" val="1"/>
+              </a:ext>
+            </a:extLst>
+          </p:cNvPr>
+          <p:cNvSpPr>
+            <a:spLocks noGrp="1" noRot="1" noChangeAspect="1" noMove="1" noResize="1" noEditPoints="1" noAdjustHandles="1" noChangeArrowheads="1" noChangeShapeType="1" noTextEdit="1"/>
+          </p:cNvSpPr>
+          <p:nvPr>
+            <p:extLst>
+              <p:ext uri="{386F3935-93C4-4BCD-93E2-E3B085C9AB24}">
+                <p16:designElem xmlns:p16="http://schemas.microsoft.com/office/powerpoint/2015/main" val="1"/>
+              </p:ext>
+            </p:extLst>
+          </p:nvPr>
+        </p:nvSpPr>
+        <p:spPr>
+          <a:xfrm>
+            <a:off x="231140" y="243840"/>
+            <a:ext cx="11724640" cy="6377939"/>
+          </a:xfrm>
+          <a:prstGeom prst="rect">
+            <a:avLst/>
+          </a:prstGeom>
+          <a:solidFill>
+            <a:schemeClr val="bg1"/>
+          </a:solidFill>
+          <a:ln w="12700">
+            <a:noFill/>
+          </a:ln>
+        </p:spPr>
+        <p:style>
+          <a:lnRef idx="2">
+            <a:schemeClr val="accent1">
+              <a:shade val="50000"/>
+            </a:schemeClr>
+          </a:lnRef>
+          <a:fillRef idx="1">
+            <a:schemeClr val="accent1"/>
+          </a:fillRef>
+          <a:effectRef idx="0">
+            <a:schemeClr val="accent1"/>
+          </a:effectRef>
+          <a:fontRef idx="minor">
+            <a:schemeClr val="lt1"/>
+          </a:fontRef>
+        </p:style>
+      </p:sp>
+      <p:sp>
+        <p:nvSpPr>
+          <p:cNvPr id="9" name="Rectangle 8">
+            <a:extLst>
+              <a:ext uri="{FF2B5EF4-FFF2-40B4-BE49-F238E27FC236}">
+                <a16:creationId xmlns:a16="http://schemas.microsoft.com/office/drawing/2014/main" id="{0B323FE0-DFB0-4368-A3C2-FC1402A98C03}"/>
+              </a:ext>
+              <a:ext uri="{C183D7F6-B498-43B3-948B-1728B52AA6E4}">
+                <adec:decorative xmlns:adec="http://schemas.microsoft.com/office/drawing/2017/decorative" val="1"/>
+              </a:ext>
+            </a:extLst>
+          </p:cNvPr>
+          <p:cNvSpPr>
+            <a:spLocks noGrp="1" noRot="1" noChangeAspect="1" noMove="1" noResize="1" noEditPoints="1" noAdjustHandles="1" noChangeArrowheads="1" noChangeShapeType="1" noTextEdit="1"/>
+          </p:cNvSpPr>
+          <p:nvPr>
+            <p:extLst>
+              <p:ext uri="{386F3935-93C4-4BCD-93E2-E3B085C9AB24}">
+                <p16:designElem xmlns:p16="http://schemas.microsoft.com/office/powerpoint/2015/main" val="1"/>
+              </p:ext>
+            </p:extLst>
+          </p:nvPr>
+        </p:nvSpPr>
+        <p:spPr>
+          <a:xfrm>
+            <a:off x="231140" y="243840"/>
+            <a:ext cx="11724640" cy="6377939"/>
+          </a:xfrm>
+          <a:prstGeom prst="rect">
+            <a:avLst/>
+          </a:prstGeom>
+          <a:solidFill>
+            <a:schemeClr val="accent1"/>
+          </a:solidFill>
+          <a:ln w="12700">
+            <a:solidFill>
+              <a:srgbClr val="FFFFFF"/>
+            </a:solidFill>
+          </a:ln>
+        </p:spPr>
+        <p:style>
+          <a:lnRef idx="2">
+            <a:schemeClr val="accent1">
+              <a:shade val="50000"/>
+            </a:schemeClr>
+          </a:lnRef>
+          <a:fillRef idx="1">
+            <a:schemeClr val="accent1"/>
+          </a:fillRef>
+          <a:effectRef idx="0">
+            <a:schemeClr val="accent1"/>
+          </a:effectRef>
+          <a:fontRef idx="minor">
+            <a:schemeClr val="lt1"/>
+          </a:fontRef>
+        </p:style>
+      </p:sp>
+      <p:cxnSp>
+        <p:nvCxnSpPr>
+          <p:cNvPr id="11" name="Straight Connector 10">
+            <a:extLst>
+              <a:ext uri="{FF2B5EF4-FFF2-40B4-BE49-F238E27FC236}">
+                <a16:creationId xmlns:a16="http://schemas.microsoft.com/office/drawing/2014/main" id="{E4BCA77F-6A46-46C1-822E-DF8DB6F08D5A}"/>
+              </a:ext>
+              <a:ext uri="{C183D7F6-B498-43B3-948B-1728B52AA6E4}">
+                <adec:decorative xmlns:adec="http://schemas.microsoft.com/office/drawing/2017/decorative" val="1"/>
+              </a:ext>
+            </a:extLst>
+          </p:cNvPr>
+          <p:cNvCxnSpPr>
+            <a:cxnSpLocks noGrp="1" noRot="1" noChangeAspect="1" noMove="1" noResize="1" noEditPoints="1" noAdjustHandles="1" noChangeArrowheads="1" noChangeShapeType="1"/>
+          </p:cNvCxnSpPr>
+          <p:nvPr>
+            <p:extLst>
+              <p:ext uri="{386F3935-93C4-4BCD-93E2-E3B085C9AB24}">
+                <p16:designElem xmlns:p16="http://schemas.microsoft.com/office/powerpoint/2015/main" val="1"/>
+              </p:ext>
+            </p:extLst>
+          </p:nvPr>
+        </p:nvCxnSpPr>
+        <p:spPr>
+          <a:xfrm>
+            <a:off x="1978660" y="3733800"/>
+            <a:ext cx="8229601" cy="0"/>
+          </a:xfrm>
+          <a:prstGeom prst="line">
+            <a:avLst/>
+          </a:prstGeom>
+          <a:ln>
+            <a:solidFill>
+              <a:srgbClr val="FFFFFF"/>
+            </a:solidFill>
+          </a:ln>
+        </p:spPr>
+        <p:style>
+          <a:lnRef idx="1">
+            <a:schemeClr val="accent1"/>
+          </a:lnRef>
+          <a:fillRef idx="0">
+            <a:schemeClr val="accent1"/>
+          </a:fillRef>
+          <a:effectRef idx="0">
+            <a:schemeClr val="accent1"/>
+          </a:effectRef>
+          <a:fontRef idx="minor">
+            <a:schemeClr val="tx1"/>
+          </a:fontRef>
+        </p:style>
+      </p:cxnSp>
+      <p:sp useBgFill="1">
+        <p:nvSpPr>
+          <p:cNvPr id="13" name="Rectangle 12">
+            <a:extLst>
+              <a:ext uri="{FF2B5EF4-FFF2-40B4-BE49-F238E27FC236}">
+                <a16:creationId xmlns:a16="http://schemas.microsoft.com/office/drawing/2014/main" id="{B0513689-D00A-4D15-B8A3-AA50EC4B2BB9}"/>
+              </a:ext>
+              <a:ext uri="{C183D7F6-B498-43B3-948B-1728B52AA6E4}">
+                <adec:decorative xmlns:adec="http://schemas.microsoft.com/office/drawing/2017/decorative" val="1"/>
+              </a:ext>
+            </a:extLst>
+          </p:cNvPr>
+          <p:cNvSpPr>
+            <a:spLocks noGrp="1" noRot="1" noChangeAspect="1" noMove="1" noResize="1" noEditPoints="1" noAdjustHandles="1" noChangeArrowheads="1" noChangeShapeType="1" noTextEdit="1"/>
+          </p:cNvSpPr>
+          <p:nvPr>
+            <p:extLst>
+              <p:ext uri="{386F3935-93C4-4BCD-93E2-E3B085C9AB24}">
+                <p16:designElem xmlns:p16="http://schemas.microsoft.com/office/powerpoint/2015/main" val="1"/>
+              </p:ext>
+            </p:extLst>
+          </p:nvPr>
+        </p:nvSpPr>
+        <p:spPr>
+          <a:xfrm>
+            <a:off x="231140" y="243840"/>
+            <a:ext cx="11724640" cy="6377939"/>
+          </a:xfrm>
+          <a:prstGeom prst="rect">
+            <a:avLst/>
+          </a:prstGeom>
+          <a:ln w="12700">
+            <a:solidFill>
+              <a:schemeClr val="tx1"/>
+            </a:solidFill>
+          </a:ln>
+        </p:spPr>
+        <p:style>
+          <a:lnRef idx="2">
+            <a:schemeClr val="accent1">
+              <a:shade val="50000"/>
+            </a:schemeClr>
+          </a:lnRef>
+          <a:fillRef idx="1">
+            <a:schemeClr val="accent1"/>
+          </a:fillRef>
+          <a:effectRef idx="0">
+            <a:schemeClr val="accent1"/>
+          </a:effectRef>
+          <a:fontRef idx="minor">
+            <a:schemeClr val="lt1"/>
+          </a:fontRef>
+        </p:style>
+      </p:sp>
+      <p:sp>
+        <p:nvSpPr>
           <p:cNvPr id="2" name="Naslov 1">
             <a:extLst>
               <a:ext uri="{FF2B5EF4-FFF2-40B4-BE49-F238E27FC236}">
@@ -3861,37 +4248,31 @@
             <p:ph type="title"/>
           </p:nvPr>
         </p:nvSpPr>
-        <p:spPr/>
-        <p:txBody>
-          <a:bodyPr/>
+        <p:spPr>
+          <a:xfrm>
+            <a:off x="1773359" y="1917234"/>
+            <a:ext cx="8640201" cy="3023532"/>
+          </a:xfrm>
+        </p:spPr>
+        <p:txBody>
+          <a:bodyPr vert="horz" lIns="91440" tIns="45720" rIns="91440" bIns="45720" rtlCol="0" anchor="b">
+            <a:normAutofit/>
+          </a:bodyPr>
           <a:lstStyle/>
           <a:p>
-            <a:endParaRPr lang="sl-SI"/>
-          </a:p>
-        </p:txBody>
-      </p:sp>
-      <p:sp>
-        <p:nvSpPr>
-          <p:cNvPr id="3" name="Označba mesta vsebine 2">
-            <a:extLst>
-              <a:ext uri="{FF2B5EF4-FFF2-40B4-BE49-F238E27FC236}">
-                <a16:creationId xmlns:a16="http://schemas.microsoft.com/office/drawing/2014/main" id="{0DEEC9D5-47EC-4195-A8ED-ED9E0DB62DB2}"/>
-              </a:ext>
-            </a:extLst>
-          </p:cNvPr>
-          <p:cNvSpPr>
-            <a:spLocks noGrp="1"/>
-          </p:cNvSpPr>
-          <p:nvPr>
-            <p:ph idx="1"/>
-          </p:nvPr>
-        </p:nvSpPr>
-        <p:spPr/>
-        <p:txBody>
-          <a:bodyPr/>
-          <a:lstStyle/>
-          <a:p>
-            <a:endParaRPr lang="sl-SI"/>
+            <a:pPr algn="ctr">
+              <a:lnSpc>
+                <a:spcPct val="85000"/>
+              </a:lnSpc>
+            </a:pPr>
+            <a:r>
+              <a:rPr lang="en-US" sz="20000" b="1" cap="all" dirty="0">
+                <a:solidFill>
+                  <a:schemeClr val="tx1"/>
+                </a:solidFill>
+              </a:rPr>
+              <a:t>Ideja</a:t>
+            </a:r>
           </a:p>
         </p:txBody>
       </p:sp>
@@ -3903,14 +4284,34 @@
     </p:extLst>
   </p:cSld>
   <p:clrMapOvr>
-    <a:masterClrMapping/>
+    <a:overrideClrMapping bg1="dk1" tx1="lt1" bg2="dk2" tx2="lt2" accent1="accent1" accent2="accent2" accent3="accent3" accent4="accent4" accent5="accent5" accent6="accent6" hlink="hlink" folHlink="folHlink"/>
   </p:clrMapOvr>
+  <mc:AlternateContent xmlns:mc="http://schemas.openxmlformats.org/markup-compatibility/2006">
+    <mc:Choice xmlns:p15="http://schemas.microsoft.com/office/powerpoint/2012/main" Requires="p15">
+      <p:transition xmlns:p14="http://schemas.microsoft.com/office/powerpoint/2010/main" spd="slow" p14:dur="1250">
+        <p15:prstTrans prst="pageCurlDouble"/>
+      </p:transition>
+    </mc:Choice>
+    <mc:Fallback>
+      <p:transition spd="slow">
+        <p:fade/>
+      </p:transition>
+    </mc:Fallback>
+  </mc:AlternateContent>
 </p:sld>
 </file>
 
 <file path=ppt/slides/slide3.xml><?xml version="1.0" encoding="utf-8"?>
 <p:sld xmlns:a="http://schemas.openxmlformats.org/drawingml/2006/main" xmlns:r="http://schemas.openxmlformats.org/officeDocument/2006/relationships" xmlns:p="http://schemas.openxmlformats.org/presentationml/2006/main">
   <p:cSld>
+    <p:bg>
+      <p:bgPr>
+        <a:solidFill>
+          <a:schemeClr val="accent1"/>
+        </a:solidFill>
+        <a:effectLst/>
+      </p:bgPr>
+    </p:bg>
     <p:spTree>
       <p:nvGrpSpPr>
         <p:cNvPr id="1" name=""/>
@@ -3927,10 +4328,228 @@
       </p:grpSpPr>
       <p:sp>
         <p:nvSpPr>
+          <p:cNvPr id="7" name="Rectangle 6">
+            <a:extLst>
+              <a:ext uri="{FF2B5EF4-FFF2-40B4-BE49-F238E27FC236}">
+                <a16:creationId xmlns:a16="http://schemas.microsoft.com/office/drawing/2014/main" id="{00C4F1C3-3ADD-491F-8C66-57912A242177}"/>
+              </a:ext>
+              <a:ext uri="{C183D7F6-B498-43B3-948B-1728B52AA6E4}">
+                <adec:decorative xmlns:adec="http://schemas.microsoft.com/office/drawing/2017/decorative" val="1"/>
+              </a:ext>
+            </a:extLst>
+          </p:cNvPr>
+          <p:cNvSpPr>
+            <a:spLocks noGrp="1" noRot="1" noChangeAspect="1" noMove="1" noResize="1" noEditPoints="1" noAdjustHandles="1" noChangeArrowheads="1" noChangeShapeType="1" noTextEdit="1"/>
+          </p:cNvSpPr>
+          <p:nvPr>
+            <p:extLst>
+              <p:ext uri="{386F3935-93C4-4BCD-93E2-E3B085C9AB24}">
+                <p16:designElem xmlns:p16="http://schemas.microsoft.com/office/powerpoint/2015/main" val="1"/>
+              </p:ext>
+            </p:extLst>
+          </p:nvPr>
+        </p:nvSpPr>
+        <p:spPr>
+          <a:xfrm>
+            <a:off x="231140" y="243840"/>
+            <a:ext cx="11724640" cy="6377939"/>
+          </a:xfrm>
+          <a:prstGeom prst="rect">
+            <a:avLst/>
+          </a:prstGeom>
+          <a:solidFill>
+            <a:schemeClr val="bg1"/>
+          </a:solidFill>
+          <a:ln w="12700">
+            <a:noFill/>
+          </a:ln>
+        </p:spPr>
+        <p:style>
+          <a:lnRef idx="2">
+            <a:schemeClr val="accent1">
+              <a:shade val="50000"/>
+            </a:schemeClr>
+          </a:lnRef>
+          <a:fillRef idx="1">
+            <a:schemeClr val="accent1"/>
+          </a:fillRef>
+          <a:effectRef idx="0">
+            <a:schemeClr val="accent1"/>
+          </a:effectRef>
+          <a:fontRef idx="minor">
+            <a:schemeClr val="lt1"/>
+          </a:fontRef>
+        </p:style>
+      </p:sp>
+      <p:sp>
+        <p:nvSpPr>
+          <p:cNvPr id="9" name="Rectangle 8">
+            <a:extLst>
+              <a:ext uri="{FF2B5EF4-FFF2-40B4-BE49-F238E27FC236}">
+                <a16:creationId xmlns:a16="http://schemas.microsoft.com/office/drawing/2014/main" id="{0B323FE0-DFB0-4368-A3C2-FC1402A98C03}"/>
+              </a:ext>
+              <a:ext uri="{C183D7F6-B498-43B3-948B-1728B52AA6E4}">
+                <adec:decorative xmlns:adec="http://schemas.microsoft.com/office/drawing/2017/decorative" val="1"/>
+              </a:ext>
+            </a:extLst>
+          </p:cNvPr>
+          <p:cNvSpPr>
+            <a:spLocks noGrp="1" noRot="1" noChangeAspect="1" noMove="1" noResize="1" noEditPoints="1" noAdjustHandles="1" noChangeArrowheads="1" noChangeShapeType="1" noTextEdit="1"/>
+          </p:cNvSpPr>
+          <p:nvPr>
+            <p:extLst>
+              <p:ext uri="{386F3935-93C4-4BCD-93E2-E3B085C9AB24}">
+                <p16:designElem xmlns:p16="http://schemas.microsoft.com/office/powerpoint/2015/main" val="1"/>
+              </p:ext>
+            </p:extLst>
+          </p:nvPr>
+        </p:nvSpPr>
+        <p:spPr>
+          <a:xfrm>
+            <a:off x="231140" y="243840"/>
+            <a:ext cx="11724640" cy="6377939"/>
+          </a:xfrm>
+          <a:prstGeom prst="rect">
+            <a:avLst/>
+          </a:prstGeom>
+          <a:solidFill>
+            <a:schemeClr val="accent1"/>
+          </a:solidFill>
+          <a:ln w="12700">
+            <a:solidFill>
+              <a:srgbClr val="FFFFFF"/>
+            </a:solidFill>
+          </a:ln>
+        </p:spPr>
+        <p:style>
+          <a:lnRef idx="2">
+            <a:schemeClr val="accent1">
+              <a:shade val="50000"/>
+            </a:schemeClr>
+          </a:lnRef>
+          <a:fillRef idx="1">
+            <a:schemeClr val="accent1"/>
+          </a:fillRef>
+          <a:effectRef idx="0">
+            <a:schemeClr val="accent1"/>
+          </a:effectRef>
+          <a:fontRef idx="minor">
+            <a:schemeClr val="lt1"/>
+          </a:fontRef>
+        </p:style>
+      </p:sp>
+      <p:cxnSp>
+        <p:nvCxnSpPr>
+          <p:cNvPr id="11" name="Straight Connector 10">
+            <a:extLst>
+              <a:ext uri="{FF2B5EF4-FFF2-40B4-BE49-F238E27FC236}">
+                <a16:creationId xmlns:a16="http://schemas.microsoft.com/office/drawing/2014/main" id="{E4BCA77F-6A46-46C1-822E-DF8DB6F08D5A}"/>
+              </a:ext>
+              <a:ext uri="{C183D7F6-B498-43B3-948B-1728B52AA6E4}">
+                <adec:decorative xmlns:adec="http://schemas.microsoft.com/office/drawing/2017/decorative" val="1"/>
+              </a:ext>
+            </a:extLst>
+          </p:cNvPr>
+          <p:cNvCxnSpPr>
+            <a:cxnSpLocks noGrp="1" noRot="1" noChangeAspect="1" noMove="1" noResize="1" noEditPoints="1" noAdjustHandles="1" noChangeArrowheads="1" noChangeShapeType="1"/>
+          </p:cNvCxnSpPr>
+          <p:nvPr>
+            <p:extLst>
+              <p:ext uri="{386F3935-93C4-4BCD-93E2-E3B085C9AB24}">
+                <p16:designElem xmlns:p16="http://schemas.microsoft.com/office/powerpoint/2015/main" val="1"/>
+              </p:ext>
+            </p:extLst>
+          </p:nvPr>
+        </p:nvCxnSpPr>
+        <p:spPr>
+          <a:xfrm>
+            <a:off x="1978660" y="3733800"/>
+            <a:ext cx="8229601" cy="0"/>
+          </a:xfrm>
+          <a:prstGeom prst="line">
+            <a:avLst/>
+          </a:prstGeom>
+          <a:ln>
+            <a:solidFill>
+              <a:srgbClr val="FFFFFF"/>
+            </a:solidFill>
+          </a:ln>
+        </p:spPr>
+        <p:style>
+          <a:lnRef idx="1">
+            <a:schemeClr val="accent1"/>
+          </a:lnRef>
+          <a:fillRef idx="0">
+            <a:schemeClr val="accent1"/>
+          </a:fillRef>
+          <a:effectRef idx="0">
+            <a:schemeClr val="accent1"/>
+          </a:effectRef>
+          <a:fontRef idx="minor">
+            <a:schemeClr val="tx1"/>
+          </a:fontRef>
+        </p:style>
+      </p:cxnSp>
+      <p:sp useBgFill="1">
+        <p:nvSpPr>
+          <p:cNvPr id="13" name="Rectangle 12">
+            <a:extLst>
+              <a:ext uri="{FF2B5EF4-FFF2-40B4-BE49-F238E27FC236}">
+                <a16:creationId xmlns:a16="http://schemas.microsoft.com/office/drawing/2014/main" id="{B0513689-D00A-4D15-B8A3-AA50EC4B2BB9}"/>
+              </a:ext>
+              <a:ext uri="{C183D7F6-B498-43B3-948B-1728B52AA6E4}">
+                <adec:decorative xmlns:adec="http://schemas.microsoft.com/office/drawing/2017/decorative" val="1"/>
+              </a:ext>
+            </a:extLst>
+          </p:cNvPr>
+          <p:cNvSpPr>
+            <a:spLocks noGrp="1" noRot="1" noChangeAspect="1" noMove="1" noResize="1" noEditPoints="1" noAdjustHandles="1" noChangeArrowheads="1" noChangeShapeType="1" noTextEdit="1"/>
+          </p:cNvSpPr>
+          <p:nvPr>
+            <p:extLst>
+              <p:ext uri="{386F3935-93C4-4BCD-93E2-E3B085C9AB24}">
+                <p16:designElem xmlns:p16="http://schemas.microsoft.com/office/powerpoint/2015/main" val="1"/>
+              </p:ext>
+            </p:extLst>
+          </p:nvPr>
+        </p:nvSpPr>
+        <p:spPr>
+          <a:xfrm>
+            <a:off x="231140" y="243840"/>
+            <a:ext cx="11724640" cy="6377939"/>
+          </a:xfrm>
+          <a:prstGeom prst="rect">
+            <a:avLst/>
+          </a:prstGeom>
+          <a:ln w="12700">
+            <a:solidFill>
+              <a:schemeClr val="tx1"/>
+            </a:solidFill>
+          </a:ln>
+        </p:spPr>
+        <p:style>
+          <a:lnRef idx="2">
+            <a:schemeClr val="accent1">
+              <a:shade val="50000"/>
+            </a:schemeClr>
+          </a:lnRef>
+          <a:fillRef idx="1">
+            <a:schemeClr val="accent1"/>
+          </a:fillRef>
+          <a:effectRef idx="0">
+            <a:schemeClr val="accent1"/>
+          </a:effectRef>
+          <a:fontRef idx="minor">
+            <a:schemeClr val="lt1"/>
+          </a:fontRef>
+        </p:style>
+      </p:sp>
+      <p:sp>
+        <p:nvSpPr>
           <p:cNvPr id="2" name="Naslov 1">
             <a:extLst>
               <a:ext uri="{FF2B5EF4-FFF2-40B4-BE49-F238E27FC236}">
-                <a16:creationId xmlns:a16="http://schemas.microsoft.com/office/drawing/2014/main" id="{2C2B9FFE-3DEC-46C5-A71F-E8F3251DCFA5}"/>
+                <a16:creationId xmlns:a16="http://schemas.microsoft.com/office/drawing/2014/main" id="{ACC043A1-96F0-4591-BF9C-D023B090B5ED}"/>
               </a:ext>
             </a:extLst>
           </p:cNvPr>
@@ -3941,56 +4560,75 @@
             <p:ph type="title"/>
           </p:nvPr>
         </p:nvSpPr>
-        <p:spPr/>
-        <p:txBody>
-          <a:bodyPr/>
+        <p:spPr>
+          <a:xfrm>
+            <a:off x="324886" y="1917234"/>
+            <a:ext cx="11537148" cy="3023532"/>
+          </a:xfrm>
+        </p:spPr>
+        <p:txBody>
+          <a:bodyPr vert="horz" lIns="91440" tIns="45720" rIns="91440" bIns="45720" rtlCol="0" anchor="b">
+            <a:normAutofit fontScale="90000"/>
+          </a:bodyPr>
           <a:lstStyle/>
           <a:p>
-            <a:endParaRPr lang="sl-SI"/>
-          </a:p>
-        </p:txBody>
-      </p:sp>
-      <p:sp>
-        <p:nvSpPr>
-          <p:cNvPr id="3" name="Označba mesta vsebine 2">
-            <a:extLst>
-              <a:ext uri="{FF2B5EF4-FFF2-40B4-BE49-F238E27FC236}">
-                <a16:creationId xmlns:a16="http://schemas.microsoft.com/office/drawing/2014/main" id="{7F694316-13F5-4B33-A9BB-3C5D85624BFC}"/>
-              </a:ext>
-            </a:extLst>
-          </p:cNvPr>
-          <p:cNvSpPr>
-            <a:spLocks noGrp="1"/>
-          </p:cNvSpPr>
-          <p:nvPr>
-            <p:ph idx="1"/>
-          </p:nvPr>
-        </p:nvSpPr>
-        <p:spPr/>
-        <p:txBody>
-          <a:bodyPr/>
-          <a:lstStyle/>
-          <a:p>
-            <a:endParaRPr lang="sl-SI"/>
+            <a:pPr algn="ctr">
+              <a:lnSpc>
+                <a:spcPct val="85000"/>
+              </a:lnSpc>
+            </a:pPr>
+            <a:r>
+              <a:rPr lang="sl-SI" sz="20000" b="1" cap="all" dirty="0">
+                <a:solidFill>
+                  <a:schemeClr val="tx1"/>
+                </a:solidFill>
+              </a:rPr>
+              <a:t>UPORABA</a:t>
+            </a:r>
+            <a:endParaRPr lang="en-US" sz="20000" b="1" cap="all" dirty="0">
+              <a:solidFill>
+                <a:schemeClr val="tx1"/>
+              </a:solidFill>
+            </a:endParaRPr>
           </a:p>
         </p:txBody>
       </p:sp>
     </p:spTree>
     <p:extLst>
       <p:ext uri="{BB962C8B-B14F-4D97-AF65-F5344CB8AC3E}">
-        <p14:creationId xmlns:p14="http://schemas.microsoft.com/office/powerpoint/2010/main" val="1314193025"/>
+        <p14:creationId xmlns:p14="http://schemas.microsoft.com/office/powerpoint/2010/main" val="2061539886"/>
       </p:ext>
     </p:extLst>
   </p:cSld>
   <p:clrMapOvr>
-    <a:masterClrMapping/>
+    <a:overrideClrMapping bg1="dk1" tx1="lt1" bg2="dk2" tx2="lt2" accent1="accent1" accent2="accent2" accent3="accent3" accent4="accent4" accent5="accent5" accent6="accent6" hlink="hlink" folHlink="folHlink"/>
   </p:clrMapOvr>
+  <mc:AlternateContent xmlns:mc="http://schemas.openxmlformats.org/markup-compatibility/2006">
+    <mc:Choice xmlns:p15="http://schemas.microsoft.com/office/powerpoint/2012/main" Requires="p15">
+      <p:transition xmlns:p14="http://schemas.microsoft.com/office/powerpoint/2010/main" spd="slow" p14:dur="1250">
+        <p15:prstTrans prst="pageCurlDouble"/>
+      </p:transition>
+    </mc:Choice>
+    <mc:Fallback>
+      <p:transition spd="slow">
+        <p:fade/>
+      </p:transition>
+    </mc:Fallback>
+  </mc:AlternateContent>
 </p:sld>
 </file>
 
 <file path=ppt/slides/slide4.xml><?xml version="1.0" encoding="utf-8"?>
 <p:sld xmlns:a="http://schemas.openxmlformats.org/drawingml/2006/main" xmlns:r="http://schemas.openxmlformats.org/officeDocument/2006/relationships" xmlns:p="http://schemas.openxmlformats.org/presentationml/2006/main">
   <p:cSld>
+    <p:bg>
+      <p:bgPr>
+        <a:solidFill>
+          <a:schemeClr val="accent1"/>
+        </a:solidFill>
+        <a:effectLst/>
+      </p:bgPr>
+    </p:bg>
     <p:spTree>
       <p:nvGrpSpPr>
         <p:cNvPr id="1" name=""/>
@@ -4007,10 +4645,228 @@
       </p:grpSpPr>
       <p:sp>
         <p:nvSpPr>
+          <p:cNvPr id="7" name="Rectangle 6">
+            <a:extLst>
+              <a:ext uri="{FF2B5EF4-FFF2-40B4-BE49-F238E27FC236}">
+                <a16:creationId xmlns:a16="http://schemas.microsoft.com/office/drawing/2014/main" id="{00C4F1C3-3ADD-491F-8C66-57912A242177}"/>
+              </a:ext>
+              <a:ext uri="{C183D7F6-B498-43B3-948B-1728B52AA6E4}">
+                <adec:decorative xmlns:adec="http://schemas.microsoft.com/office/drawing/2017/decorative" val="1"/>
+              </a:ext>
+            </a:extLst>
+          </p:cNvPr>
+          <p:cNvSpPr>
+            <a:spLocks noGrp="1" noRot="1" noChangeAspect="1" noMove="1" noResize="1" noEditPoints="1" noAdjustHandles="1" noChangeArrowheads="1" noChangeShapeType="1" noTextEdit="1"/>
+          </p:cNvSpPr>
+          <p:nvPr>
+            <p:extLst>
+              <p:ext uri="{386F3935-93C4-4BCD-93E2-E3B085C9AB24}">
+                <p16:designElem xmlns:p16="http://schemas.microsoft.com/office/powerpoint/2015/main" val="1"/>
+              </p:ext>
+            </p:extLst>
+          </p:nvPr>
+        </p:nvSpPr>
+        <p:spPr>
+          <a:xfrm>
+            <a:off x="231140" y="243840"/>
+            <a:ext cx="11724640" cy="6377939"/>
+          </a:xfrm>
+          <a:prstGeom prst="rect">
+            <a:avLst/>
+          </a:prstGeom>
+          <a:solidFill>
+            <a:schemeClr val="bg1"/>
+          </a:solidFill>
+          <a:ln w="12700">
+            <a:noFill/>
+          </a:ln>
+        </p:spPr>
+        <p:style>
+          <a:lnRef idx="2">
+            <a:schemeClr val="accent1">
+              <a:shade val="50000"/>
+            </a:schemeClr>
+          </a:lnRef>
+          <a:fillRef idx="1">
+            <a:schemeClr val="accent1"/>
+          </a:fillRef>
+          <a:effectRef idx="0">
+            <a:schemeClr val="accent1"/>
+          </a:effectRef>
+          <a:fontRef idx="minor">
+            <a:schemeClr val="lt1"/>
+          </a:fontRef>
+        </p:style>
+      </p:sp>
+      <p:sp>
+        <p:nvSpPr>
+          <p:cNvPr id="9" name="Rectangle 8">
+            <a:extLst>
+              <a:ext uri="{FF2B5EF4-FFF2-40B4-BE49-F238E27FC236}">
+                <a16:creationId xmlns:a16="http://schemas.microsoft.com/office/drawing/2014/main" id="{0B323FE0-DFB0-4368-A3C2-FC1402A98C03}"/>
+              </a:ext>
+              <a:ext uri="{C183D7F6-B498-43B3-948B-1728B52AA6E4}">
+                <adec:decorative xmlns:adec="http://schemas.microsoft.com/office/drawing/2017/decorative" val="1"/>
+              </a:ext>
+            </a:extLst>
+          </p:cNvPr>
+          <p:cNvSpPr>
+            <a:spLocks noGrp="1" noRot="1" noChangeAspect="1" noMove="1" noResize="1" noEditPoints="1" noAdjustHandles="1" noChangeArrowheads="1" noChangeShapeType="1" noTextEdit="1"/>
+          </p:cNvSpPr>
+          <p:nvPr>
+            <p:extLst>
+              <p:ext uri="{386F3935-93C4-4BCD-93E2-E3B085C9AB24}">
+                <p16:designElem xmlns:p16="http://schemas.microsoft.com/office/powerpoint/2015/main" val="1"/>
+              </p:ext>
+            </p:extLst>
+          </p:nvPr>
+        </p:nvSpPr>
+        <p:spPr>
+          <a:xfrm>
+            <a:off x="231140" y="243840"/>
+            <a:ext cx="11724640" cy="6377939"/>
+          </a:xfrm>
+          <a:prstGeom prst="rect">
+            <a:avLst/>
+          </a:prstGeom>
+          <a:solidFill>
+            <a:schemeClr val="accent1"/>
+          </a:solidFill>
+          <a:ln w="12700">
+            <a:solidFill>
+              <a:srgbClr val="FFFFFF"/>
+            </a:solidFill>
+          </a:ln>
+        </p:spPr>
+        <p:style>
+          <a:lnRef idx="2">
+            <a:schemeClr val="accent1">
+              <a:shade val="50000"/>
+            </a:schemeClr>
+          </a:lnRef>
+          <a:fillRef idx="1">
+            <a:schemeClr val="accent1"/>
+          </a:fillRef>
+          <a:effectRef idx="0">
+            <a:schemeClr val="accent1"/>
+          </a:effectRef>
+          <a:fontRef idx="minor">
+            <a:schemeClr val="lt1"/>
+          </a:fontRef>
+        </p:style>
+      </p:sp>
+      <p:cxnSp>
+        <p:nvCxnSpPr>
+          <p:cNvPr id="11" name="Straight Connector 10">
+            <a:extLst>
+              <a:ext uri="{FF2B5EF4-FFF2-40B4-BE49-F238E27FC236}">
+                <a16:creationId xmlns:a16="http://schemas.microsoft.com/office/drawing/2014/main" id="{E4BCA77F-6A46-46C1-822E-DF8DB6F08D5A}"/>
+              </a:ext>
+              <a:ext uri="{C183D7F6-B498-43B3-948B-1728B52AA6E4}">
+                <adec:decorative xmlns:adec="http://schemas.microsoft.com/office/drawing/2017/decorative" val="1"/>
+              </a:ext>
+            </a:extLst>
+          </p:cNvPr>
+          <p:cNvCxnSpPr>
+            <a:cxnSpLocks noGrp="1" noRot="1" noChangeAspect="1" noMove="1" noResize="1" noEditPoints="1" noAdjustHandles="1" noChangeArrowheads="1" noChangeShapeType="1"/>
+          </p:cNvCxnSpPr>
+          <p:nvPr>
+            <p:extLst>
+              <p:ext uri="{386F3935-93C4-4BCD-93E2-E3B085C9AB24}">
+                <p16:designElem xmlns:p16="http://schemas.microsoft.com/office/powerpoint/2015/main" val="1"/>
+              </p:ext>
+            </p:extLst>
+          </p:nvPr>
+        </p:nvCxnSpPr>
+        <p:spPr>
+          <a:xfrm>
+            <a:off x="1978660" y="3733800"/>
+            <a:ext cx="8229601" cy="0"/>
+          </a:xfrm>
+          <a:prstGeom prst="line">
+            <a:avLst/>
+          </a:prstGeom>
+          <a:ln>
+            <a:solidFill>
+              <a:srgbClr val="FFFFFF"/>
+            </a:solidFill>
+          </a:ln>
+        </p:spPr>
+        <p:style>
+          <a:lnRef idx="1">
+            <a:schemeClr val="accent1"/>
+          </a:lnRef>
+          <a:fillRef idx="0">
+            <a:schemeClr val="accent1"/>
+          </a:fillRef>
+          <a:effectRef idx="0">
+            <a:schemeClr val="accent1"/>
+          </a:effectRef>
+          <a:fontRef idx="minor">
+            <a:schemeClr val="tx1"/>
+          </a:fontRef>
+        </p:style>
+      </p:cxnSp>
+      <p:sp useBgFill="1">
+        <p:nvSpPr>
+          <p:cNvPr id="13" name="Rectangle 12">
+            <a:extLst>
+              <a:ext uri="{FF2B5EF4-FFF2-40B4-BE49-F238E27FC236}">
+                <a16:creationId xmlns:a16="http://schemas.microsoft.com/office/drawing/2014/main" id="{B0513689-D00A-4D15-B8A3-AA50EC4B2BB9}"/>
+              </a:ext>
+              <a:ext uri="{C183D7F6-B498-43B3-948B-1728B52AA6E4}">
+                <adec:decorative xmlns:adec="http://schemas.microsoft.com/office/drawing/2017/decorative" val="1"/>
+              </a:ext>
+            </a:extLst>
+          </p:cNvPr>
+          <p:cNvSpPr>
+            <a:spLocks noGrp="1" noRot="1" noChangeAspect="1" noMove="1" noResize="1" noEditPoints="1" noAdjustHandles="1" noChangeArrowheads="1" noChangeShapeType="1" noTextEdit="1"/>
+          </p:cNvSpPr>
+          <p:nvPr>
+            <p:extLst>
+              <p:ext uri="{386F3935-93C4-4BCD-93E2-E3B085C9AB24}">
+                <p16:designElem xmlns:p16="http://schemas.microsoft.com/office/powerpoint/2015/main" val="1"/>
+              </p:ext>
+            </p:extLst>
+          </p:nvPr>
+        </p:nvSpPr>
+        <p:spPr>
+          <a:xfrm>
+            <a:off x="231140" y="243840"/>
+            <a:ext cx="11724640" cy="6377939"/>
+          </a:xfrm>
+          <a:prstGeom prst="rect">
+            <a:avLst/>
+          </a:prstGeom>
+          <a:ln w="12700">
+            <a:solidFill>
+              <a:schemeClr val="tx1"/>
+            </a:solidFill>
+          </a:ln>
+        </p:spPr>
+        <p:style>
+          <a:lnRef idx="2">
+            <a:schemeClr val="accent1">
+              <a:shade val="50000"/>
+            </a:schemeClr>
+          </a:lnRef>
+          <a:fillRef idx="1">
+            <a:schemeClr val="accent1"/>
+          </a:fillRef>
+          <a:effectRef idx="0">
+            <a:schemeClr val="accent1"/>
+          </a:effectRef>
+          <a:fontRef idx="minor">
+            <a:schemeClr val="lt1"/>
+          </a:fontRef>
+        </p:style>
+      </p:sp>
+      <p:sp>
+        <p:nvSpPr>
           <p:cNvPr id="2" name="Naslov 1">
             <a:extLst>
               <a:ext uri="{FF2B5EF4-FFF2-40B4-BE49-F238E27FC236}">
-                <a16:creationId xmlns:a16="http://schemas.microsoft.com/office/drawing/2014/main" id="{C4425277-B5A6-44AC-8AA8-3B2155A93658}"/>
+                <a16:creationId xmlns:a16="http://schemas.microsoft.com/office/drawing/2014/main" id="{ACC043A1-96F0-4591-BF9C-D023B090B5ED}"/>
               </a:ext>
             </a:extLst>
           </p:cNvPr>
@@ -4021,56 +4877,75 @@
             <p:ph type="title"/>
           </p:nvPr>
         </p:nvSpPr>
-        <p:spPr/>
-        <p:txBody>
-          <a:bodyPr/>
+        <p:spPr>
+          <a:xfrm>
+            <a:off x="324886" y="1018437"/>
+            <a:ext cx="11537148" cy="4821125"/>
+          </a:xfrm>
+        </p:spPr>
+        <p:txBody>
+          <a:bodyPr vert="horz" lIns="91440" tIns="45720" rIns="91440" bIns="45720" rtlCol="0" anchor="b">
+            <a:normAutofit fontScale="90000"/>
+          </a:bodyPr>
           <a:lstStyle/>
           <a:p>
-            <a:endParaRPr lang="sl-SI"/>
-          </a:p>
-        </p:txBody>
-      </p:sp>
-      <p:sp>
-        <p:nvSpPr>
-          <p:cNvPr id="3" name="Označba mesta vsebine 2">
-            <a:extLst>
-              <a:ext uri="{FF2B5EF4-FFF2-40B4-BE49-F238E27FC236}">
-                <a16:creationId xmlns:a16="http://schemas.microsoft.com/office/drawing/2014/main" id="{C81330D9-A13B-46F7-B93E-2DBD45D2640D}"/>
-              </a:ext>
-            </a:extLst>
-          </p:cNvPr>
-          <p:cNvSpPr>
-            <a:spLocks noGrp="1"/>
-          </p:cNvSpPr>
-          <p:nvPr>
-            <p:ph idx="1"/>
-          </p:nvPr>
-        </p:nvSpPr>
-        <p:spPr/>
-        <p:txBody>
-          <a:bodyPr/>
-          <a:lstStyle/>
-          <a:p>
-            <a:endParaRPr lang="sl-SI"/>
+            <a:pPr algn="ctr">
+              <a:lnSpc>
+                <a:spcPct val="85000"/>
+              </a:lnSpc>
+            </a:pPr>
+            <a:r>
+              <a:rPr lang="sl-SI" sz="20000" b="1" cap="all" dirty="0">
+                <a:solidFill>
+                  <a:schemeClr val="tx1"/>
+                </a:solidFill>
+              </a:rPr>
+              <a:t>Kako NAPREJ</a:t>
+            </a:r>
+            <a:endParaRPr lang="en-US" sz="20000" b="1" cap="all" dirty="0">
+              <a:solidFill>
+                <a:schemeClr val="tx1"/>
+              </a:solidFill>
+            </a:endParaRPr>
           </a:p>
         </p:txBody>
       </p:sp>
     </p:spTree>
     <p:extLst>
       <p:ext uri="{BB962C8B-B14F-4D97-AF65-F5344CB8AC3E}">
-        <p14:creationId xmlns:p14="http://schemas.microsoft.com/office/powerpoint/2010/main" val="1839015302"/>
+        <p14:creationId xmlns:p14="http://schemas.microsoft.com/office/powerpoint/2010/main" val="2829942130"/>
       </p:ext>
     </p:extLst>
   </p:cSld>
   <p:clrMapOvr>
-    <a:masterClrMapping/>
+    <a:overrideClrMapping bg1="dk1" tx1="lt1" bg2="dk2" tx2="lt2" accent1="accent1" accent2="accent2" accent3="accent3" accent4="accent4" accent5="accent5" accent6="accent6" hlink="hlink" folHlink="folHlink"/>
   </p:clrMapOvr>
+  <mc:AlternateContent xmlns:mc="http://schemas.openxmlformats.org/markup-compatibility/2006">
+    <mc:Choice xmlns:p15="http://schemas.microsoft.com/office/powerpoint/2012/main" Requires="p15">
+      <p:transition xmlns:p14="http://schemas.microsoft.com/office/powerpoint/2010/main" spd="slow" p14:dur="1250">
+        <p15:prstTrans prst="pageCurlDouble"/>
+      </p:transition>
+    </mc:Choice>
+    <mc:Fallback>
+      <p:transition spd="slow">
+        <p:fade/>
+      </p:transition>
+    </mc:Fallback>
+  </mc:AlternateContent>
 </p:sld>
 </file>
 
 <file path=ppt/slides/slide5.xml><?xml version="1.0" encoding="utf-8"?>
 <p:sld xmlns:a="http://schemas.openxmlformats.org/drawingml/2006/main" xmlns:r="http://schemas.openxmlformats.org/officeDocument/2006/relationships" xmlns:p="http://schemas.openxmlformats.org/presentationml/2006/main">
   <p:cSld>
+    <p:bg>
+      <p:bgPr>
+        <a:solidFill>
+          <a:schemeClr val="accent1"/>
+        </a:solidFill>
+        <a:effectLst/>
+      </p:bgPr>
+    </p:bg>
     <p:spTree>
       <p:nvGrpSpPr>
         <p:cNvPr id="1" name=""/>
@@ -4087,10 +4962,228 @@
       </p:grpSpPr>
       <p:sp>
         <p:nvSpPr>
+          <p:cNvPr id="7" name="Rectangle 6">
+            <a:extLst>
+              <a:ext uri="{FF2B5EF4-FFF2-40B4-BE49-F238E27FC236}">
+                <a16:creationId xmlns:a16="http://schemas.microsoft.com/office/drawing/2014/main" id="{00C4F1C3-3ADD-491F-8C66-57912A242177}"/>
+              </a:ext>
+              <a:ext uri="{C183D7F6-B498-43B3-948B-1728B52AA6E4}">
+                <adec:decorative xmlns:adec="http://schemas.microsoft.com/office/drawing/2017/decorative" val="1"/>
+              </a:ext>
+            </a:extLst>
+          </p:cNvPr>
+          <p:cNvSpPr>
+            <a:spLocks noGrp="1" noRot="1" noChangeAspect="1" noMove="1" noResize="1" noEditPoints="1" noAdjustHandles="1" noChangeArrowheads="1" noChangeShapeType="1" noTextEdit="1"/>
+          </p:cNvSpPr>
+          <p:nvPr>
+            <p:extLst>
+              <p:ext uri="{386F3935-93C4-4BCD-93E2-E3B085C9AB24}">
+                <p16:designElem xmlns:p16="http://schemas.microsoft.com/office/powerpoint/2015/main" val="1"/>
+              </p:ext>
+            </p:extLst>
+          </p:nvPr>
+        </p:nvSpPr>
+        <p:spPr>
+          <a:xfrm>
+            <a:off x="231140" y="243840"/>
+            <a:ext cx="11724640" cy="6377939"/>
+          </a:xfrm>
+          <a:prstGeom prst="rect">
+            <a:avLst/>
+          </a:prstGeom>
+          <a:solidFill>
+            <a:schemeClr val="bg1"/>
+          </a:solidFill>
+          <a:ln w="12700">
+            <a:noFill/>
+          </a:ln>
+        </p:spPr>
+        <p:style>
+          <a:lnRef idx="2">
+            <a:schemeClr val="accent1">
+              <a:shade val="50000"/>
+            </a:schemeClr>
+          </a:lnRef>
+          <a:fillRef idx="1">
+            <a:schemeClr val="accent1"/>
+          </a:fillRef>
+          <a:effectRef idx="0">
+            <a:schemeClr val="accent1"/>
+          </a:effectRef>
+          <a:fontRef idx="minor">
+            <a:schemeClr val="lt1"/>
+          </a:fontRef>
+        </p:style>
+      </p:sp>
+      <p:sp>
+        <p:nvSpPr>
+          <p:cNvPr id="9" name="Rectangle 8">
+            <a:extLst>
+              <a:ext uri="{FF2B5EF4-FFF2-40B4-BE49-F238E27FC236}">
+                <a16:creationId xmlns:a16="http://schemas.microsoft.com/office/drawing/2014/main" id="{0B323FE0-DFB0-4368-A3C2-FC1402A98C03}"/>
+              </a:ext>
+              <a:ext uri="{C183D7F6-B498-43B3-948B-1728B52AA6E4}">
+                <adec:decorative xmlns:adec="http://schemas.microsoft.com/office/drawing/2017/decorative" val="1"/>
+              </a:ext>
+            </a:extLst>
+          </p:cNvPr>
+          <p:cNvSpPr>
+            <a:spLocks noGrp="1" noRot="1" noChangeAspect="1" noMove="1" noResize="1" noEditPoints="1" noAdjustHandles="1" noChangeArrowheads="1" noChangeShapeType="1" noTextEdit="1"/>
+          </p:cNvSpPr>
+          <p:nvPr>
+            <p:extLst>
+              <p:ext uri="{386F3935-93C4-4BCD-93E2-E3B085C9AB24}">
+                <p16:designElem xmlns:p16="http://schemas.microsoft.com/office/powerpoint/2015/main" val="1"/>
+              </p:ext>
+            </p:extLst>
+          </p:nvPr>
+        </p:nvSpPr>
+        <p:spPr>
+          <a:xfrm>
+            <a:off x="231140" y="243840"/>
+            <a:ext cx="11724640" cy="6377939"/>
+          </a:xfrm>
+          <a:prstGeom prst="rect">
+            <a:avLst/>
+          </a:prstGeom>
+          <a:solidFill>
+            <a:schemeClr val="accent1"/>
+          </a:solidFill>
+          <a:ln w="12700">
+            <a:solidFill>
+              <a:srgbClr val="FFFFFF"/>
+            </a:solidFill>
+          </a:ln>
+        </p:spPr>
+        <p:style>
+          <a:lnRef idx="2">
+            <a:schemeClr val="accent1">
+              <a:shade val="50000"/>
+            </a:schemeClr>
+          </a:lnRef>
+          <a:fillRef idx="1">
+            <a:schemeClr val="accent1"/>
+          </a:fillRef>
+          <a:effectRef idx="0">
+            <a:schemeClr val="accent1"/>
+          </a:effectRef>
+          <a:fontRef idx="minor">
+            <a:schemeClr val="lt1"/>
+          </a:fontRef>
+        </p:style>
+      </p:sp>
+      <p:cxnSp>
+        <p:nvCxnSpPr>
+          <p:cNvPr id="11" name="Straight Connector 10">
+            <a:extLst>
+              <a:ext uri="{FF2B5EF4-FFF2-40B4-BE49-F238E27FC236}">
+                <a16:creationId xmlns:a16="http://schemas.microsoft.com/office/drawing/2014/main" id="{E4BCA77F-6A46-46C1-822E-DF8DB6F08D5A}"/>
+              </a:ext>
+              <a:ext uri="{C183D7F6-B498-43B3-948B-1728B52AA6E4}">
+                <adec:decorative xmlns:adec="http://schemas.microsoft.com/office/drawing/2017/decorative" val="1"/>
+              </a:ext>
+            </a:extLst>
+          </p:cNvPr>
+          <p:cNvCxnSpPr>
+            <a:cxnSpLocks noGrp="1" noRot="1" noChangeAspect="1" noMove="1" noResize="1" noEditPoints="1" noAdjustHandles="1" noChangeArrowheads="1" noChangeShapeType="1"/>
+          </p:cNvCxnSpPr>
+          <p:nvPr>
+            <p:extLst>
+              <p:ext uri="{386F3935-93C4-4BCD-93E2-E3B085C9AB24}">
+                <p16:designElem xmlns:p16="http://schemas.microsoft.com/office/powerpoint/2015/main" val="1"/>
+              </p:ext>
+            </p:extLst>
+          </p:nvPr>
+        </p:nvCxnSpPr>
+        <p:spPr>
+          <a:xfrm>
+            <a:off x="1978660" y="3733800"/>
+            <a:ext cx="8229601" cy="0"/>
+          </a:xfrm>
+          <a:prstGeom prst="line">
+            <a:avLst/>
+          </a:prstGeom>
+          <a:ln>
+            <a:solidFill>
+              <a:srgbClr val="FFFFFF"/>
+            </a:solidFill>
+          </a:ln>
+        </p:spPr>
+        <p:style>
+          <a:lnRef idx="1">
+            <a:schemeClr val="accent1"/>
+          </a:lnRef>
+          <a:fillRef idx="0">
+            <a:schemeClr val="accent1"/>
+          </a:fillRef>
+          <a:effectRef idx="0">
+            <a:schemeClr val="accent1"/>
+          </a:effectRef>
+          <a:fontRef idx="minor">
+            <a:schemeClr val="tx1"/>
+          </a:fontRef>
+        </p:style>
+      </p:cxnSp>
+      <p:sp useBgFill="1">
+        <p:nvSpPr>
+          <p:cNvPr id="13" name="Rectangle 12">
+            <a:extLst>
+              <a:ext uri="{FF2B5EF4-FFF2-40B4-BE49-F238E27FC236}">
+                <a16:creationId xmlns:a16="http://schemas.microsoft.com/office/drawing/2014/main" id="{B0513689-D00A-4D15-B8A3-AA50EC4B2BB9}"/>
+              </a:ext>
+              <a:ext uri="{C183D7F6-B498-43B3-948B-1728B52AA6E4}">
+                <adec:decorative xmlns:adec="http://schemas.microsoft.com/office/drawing/2017/decorative" val="1"/>
+              </a:ext>
+            </a:extLst>
+          </p:cNvPr>
+          <p:cNvSpPr>
+            <a:spLocks noGrp="1" noRot="1" noChangeAspect="1" noMove="1" noResize="1" noEditPoints="1" noAdjustHandles="1" noChangeArrowheads="1" noChangeShapeType="1" noTextEdit="1"/>
+          </p:cNvSpPr>
+          <p:nvPr>
+            <p:extLst>
+              <p:ext uri="{386F3935-93C4-4BCD-93E2-E3B085C9AB24}">
+                <p16:designElem xmlns:p16="http://schemas.microsoft.com/office/powerpoint/2015/main" val="1"/>
+              </p:ext>
+            </p:extLst>
+          </p:nvPr>
+        </p:nvSpPr>
+        <p:spPr>
+          <a:xfrm>
+            <a:off x="231140" y="243840"/>
+            <a:ext cx="11724640" cy="6377939"/>
+          </a:xfrm>
+          <a:prstGeom prst="rect">
+            <a:avLst/>
+          </a:prstGeom>
+          <a:ln w="12700">
+            <a:solidFill>
+              <a:schemeClr val="tx1"/>
+            </a:solidFill>
+          </a:ln>
+        </p:spPr>
+        <p:style>
+          <a:lnRef idx="2">
+            <a:schemeClr val="accent1">
+              <a:shade val="50000"/>
+            </a:schemeClr>
+          </a:lnRef>
+          <a:fillRef idx="1">
+            <a:schemeClr val="accent1"/>
+          </a:fillRef>
+          <a:effectRef idx="0">
+            <a:schemeClr val="accent1"/>
+          </a:effectRef>
+          <a:fontRef idx="minor">
+            <a:schemeClr val="lt1"/>
+          </a:fontRef>
+        </p:style>
+      </p:sp>
+      <p:sp>
+        <p:nvSpPr>
           <p:cNvPr id="2" name="Naslov 1">
             <a:extLst>
               <a:ext uri="{FF2B5EF4-FFF2-40B4-BE49-F238E27FC236}">
-                <a16:creationId xmlns:a16="http://schemas.microsoft.com/office/drawing/2014/main" id="{456F60B8-7807-4591-931C-D1B95BCAAE52}"/>
+                <a16:creationId xmlns:a16="http://schemas.microsoft.com/office/drawing/2014/main" id="{ACC043A1-96F0-4591-BF9C-D023B090B5ED}"/>
               </a:ext>
             </a:extLst>
           </p:cNvPr>
@@ -4101,53 +5194,61 @@
             <p:ph type="title"/>
           </p:nvPr>
         </p:nvSpPr>
-        <p:spPr/>
-        <p:txBody>
-          <a:bodyPr/>
+        <p:spPr>
+          <a:xfrm>
+            <a:off x="324886" y="1918074"/>
+            <a:ext cx="11537148" cy="3021852"/>
+          </a:xfrm>
+        </p:spPr>
+        <p:txBody>
+          <a:bodyPr vert="horz" lIns="91440" tIns="45720" rIns="91440" bIns="45720" rtlCol="0" anchor="b">
+            <a:noAutofit/>
+          </a:bodyPr>
           <a:lstStyle/>
           <a:p>
-            <a:r>
-              <a:rPr lang="sl-SI" dirty="0"/>
-              <a:t>Hvala za pozornost!</a:t>
-            </a:r>
-          </a:p>
-        </p:txBody>
-      </p:sp>
-      <p:sp>
-        <p:nvSpPr>
-          <p:cNvPr id="3" name="Označba mesta vsebine 2">
-            <a:extLst>
-              <a:ext uri="{FF2B5EF4-FFF2-40B4-BE49-F238E27FC236}">
-                <a16:creationId xmlns:a16="http://schemas.microsoft.com/office/drawing/2014/main" id="{4234A518-C630-4E43-950B-85D1425280BC}"/>
-              </a:ext>
-            </a:extLst>
-          </p:cNvPr>
-          <p:cNvSpPr>
-            <a:spLocks noGrp="1"/>
-          </p:cNvSpPr>
-          <p:nvPr>
-            <p:ph idx="1"/>
-          </p:nvPr>
-        </p:nvSpPr>
-        <p:spPr/>
-        <p:txBody>
-          <a:bodyPr/>
-          <a:lstStyle/>
-          <a:p>
-            <a:endParaRPr lang="sl-SI"/>
+            <a:pPr algn="ctr">
+              <a:lnSpc>
+                <a:spcPct val="85000"/>
+              </a:lnSpc>
+            </a:pPr>
+            <a:r>
+              <a:rPr lang="sl-SI" sz="20000" b="1" cap="all" dirty="0">
+                <a:solidFill>
+                  <a:schemeClr val="tx1"/>
+                </a:solidFill>
+              </a:rPr>
+              <a:t>?</a:t>
+            </a:r>
+            <a:endParaRPr lang="en-US" sz="20000" b="1" cap="all" dirty="0">
+              <a:solidFill>
+                <a:schemeClr val="tx1"/>
+              </a:solidFill>
+            </a:endParaRPr>
           </a:p>
         </p:txBody>
       </p:sp>
     </p:spTree>
     <p:extLst>
       <p:ext uri="{BB962C8B-B14F-4D97-AF65-F5344CB8AC3E}">
-        <p14:creationId xmlns:p14="http://schemas.microsoft.com/office/powerpoint/2010/main" val="3392373506"/>
+        <p14:creationId xmlns:p14="http://schemas.microsoft.com/office/powerpoint/2010/main" val="26312831"/>
       </p:ext>
     </p:extLst>
   </p:cSld>
   <p:clrMapOvr>
-    <a:masterClrMapping/>
+    <a:overrideClrMapping bg1="dk1" tx1="lt1" bg2="dk2" tx2="lt2" accent1="accent1" accent2="accent2" accent3="accent3" accent4="accent4" accent5="accent5" accent6="accent6" hlink="hlink" folHlink="folHlink"/>
   </p:clrMapOvr>
+  <mc:AlternateContent xmlns:mc="http://schemas.openxmlformats.org/markup-compatibility/2006">
+    <mc:Choice xmlns:p15="http://schemas.microsoft.com/office/powerpoint/2012/main" Requires="p15">
+      <p:transition xmlns:p14="http://schemas.microsoft.com/office/powerpoint/2010/main" spd="slow" p14:dur="1250">
+        <p15:prstTrans prst="pageCurlDouble"/>
+      </p:transition>
+    </mc:Choice>
+    <mc:Fallback>
+      <p:transition spd="slow">
+        <p:fade/>
+      </p:transition>
+    </mc:Fallback>
+  </mc:AlternateContent>
 </p:sld>
 </file>
 
